--- a/Liederen Diessen 2024.pptx
+++ b/Liederen Diessen 2024.pptx
@@ -130,7 +130,6 @@
 <file path=ppt/revisionInfo.xml><?xml version="1.0" encoding="utf-8"?>
 <p1510:revInfo xmlns:a="http://schemas.openxmlformats.org/drawingml/2006/main" xmlns:r="http://schemas.openxmlformats.org/officeDocument/2006/relationships" xmlns:p1510="http://schemas.microsoft.com/office/powerpoint/2015/10/main">
   <p1510:revLst>
-    <p1510:client id="{09D6364D-72EE-21A6-9534-3E1DD4C17991}" v="201" dt="2024-04-29T19:13:17.199"/>
     <p1510:client id="{E20EFDE1-A609-41DD-908B-02876F1F6A58}" v="21" dt="2024-04-29T20:15:55.164"/>
   </p1510:revLst>
 </p1510:revInfo>
@@ -218,7 +217,7 @@
           <a:p>
             <a:fld id="{6E991A9F-E21E-4389-A952-C64169971EE0}" type="datetimeFigureOut">
               <a:rPr lang="nl-NL" smtClean="0"/>
-              <a:t>29-4-2024</a:t>
+              <a:t>1-5-2024</a:t>
             </a:fld>
             <a:endParaRPr lang="nl-NL"/>
           </a:p>
@@ -1223,7 +1222,7 @@
           <a:p>
             <a:fld id="{1450EC16-19C6-42FB-A86A-C0DAEA9DB9E6}" type="datetimeFigureOut">
               <a:rPr lang="en-NL" smtClean="0"/>
-              <a:t>04/29/2024</a:t>
+              <a:t>01/05/2024</a:t>
             </a:fld>
             <a:endParaRPr lang="en-NL"/>
           </a:p>
@@ -1423,7 +1422,7 @@
           <a:p>
             <a:fld id="{1450EC16-19C6-42FB-A86A-C0DAEA9DB9E6}" type="datetimeFigureOut">
               <a:rPr lang="en-NL" smtClean="0"/>
-              <a:t>04/29/2024</a:t>
+              <a:t>01/05/2024</a:t>
             </a:fld>
             <a:endParaRPr lang="en-NL"/>
           </a:p>
@@ -1633,7 +1632,7 @@
           <a:p>
             <a:fld id="{1450EC16-19C6-42FB-A86A-C0DAEA9DB9E6}" type="datetimeFigureOut">
               <a:rPr lang="en-NL" smtClean="0"/>
-              <a:t>04/29/2024</a:t>
+              <a:t>01/05/2024</a:t>
             </a:fld>
             <a:endParaRPr lang="en-NL"/>
           </a:p>
@@ -1833,7 +1832,7 @@
           <a:p>
             <a:fld id="{1450EC16-19C6-42FB-A86A-C0DAEA9DB9E6}" type="datetimeFigureOut">
               <a:rPr lang="en-NL" smtClean="0"/>
-              <a:t>04/29/2024</a:t>
+              <a:t>01/05/2024</a:t>
             </a:fld>
             <a:endParaRPr lang="en-NL"/>
           </a:p>
@@ -2109,7 +2108,7 @@
           <a:p>
             <a:fld id="{1450EC16-19C6-42FB-A86A-C0DAEA9DB9E6}" type="datetimeFigureOut">
               <a:rPr lang="en-NL" smtClean="0"/>
-              <a:t>04/29/2024</a:t>
+              <a:t>01/05/2024</a:t>
             </a:fld>
             <a:endParaRPr lang="en-NL"/>
           </a:p>
@@ -2377,7 +2376,7 @@
           <a:p>
             <a:fld id="{1450EC16-19C6-42FB-A86A-C0DAEA9DB9E6}" type="datetimeFigureOut">
               <a:rPr lang="en-NL" smtClean="0"/>
-              <a:t>04/29/2024</a:t>
+              <a:t>01/05/2024</a:t>
             </a:fld>
             <a:endParaRPr lang="en-NL"/>
           </a:p>
@@ -2792,7 +2791,7 @@
           <a:p>
             <a:fld id="{1450EC16-19C6-42FB-A86A-C0DAEA9DB9E6}" type="datetimeFigureOut">
               <a:rPr lang="en-NL" smtClean="0"/>
-              <a:t>04/29/2024</a:t>
+              <a:t>01/05/2024</a:t>
             </a:fld>
             <a:endParaRPr lang="en-NL"/>
           </a:p>
@@ -2934,7 +2933,7 @@
           <a:p>
             <a:fld id="{1450EC16-19C6-42FB-A86A-C0DAEA9DB9E6}" type="datetimeFigureOut">
               <a:rPr lang="en-NL" smtClean="0"/>
-              <a:t>04/29/2024</a:t>
+              <a:t>01/05/2024</a:t>
             </a:fld>
             <a:endParaRPr lang="en-NL"/>
           </a:p>
@@ -3047,7 +3046,7 @@
           <a:p>
             <a:fld id="{1450EC16-19C6-42FB-A86A-C0DAEA9DB9E6}" type="datetimeFigureOut">
               <a:rPr lang="en-NL" smtClean="0"/>
-              <a:t>04/29/2024</a:t>
+              <a:t>01/05/2024</a:t>
             </a:fld>
             <a:endParaRPr lang="en-NL"/>
           </a:p>
@@ -3360,7 +3359,7 @@
           <a:p>
             <a:fld id="{1450EC16-19C6-42FB-A86A-C0DAEA9DB9E6}" type="datetimeFigureOut">
               <a:rPr lang="en-NL" smtClean="0"/>
-              <a:t>04/29/2024</a:t>
+              <a:t>01/05/2024</a:t>
             </a:fld>
             <a:endParaRPr lang="en-NL"/>
           </a:p>
@@ -3649,7 +3648,7 @@
           <a:p>
             <a:fld id="{1450EC16-19C6-42FB-A86A-C0DAEA9DB9E6}" type="datetimeFigureOut">
               <a:rPr lang="en-NL" smtClean="0"/>
-              <a:t>04/29/2024</a:t>
+              <a:t>01/05/2024</a:t>
             </a:fld>
             <a:endParaRPr lang="en-NL"/>
           </a:p>
@@ -3892,7 +3891,7 @@
           <a:p>
             <a:fld id="{1450EC16-19C6-42FB-A86A-C0DAEA9DB9E6}" type="datetimeFigureOut">
               <a:rPr lang="en-NL" smtClean="0"/>
-              <a:t>04/29/2024</a:t>
+              <a:t>01/05/2024</a:t>
             </a:fld>
             <a:endParaRPr lang="en-NL"/>
           </a:p>
@@ -9491,7 +9490,15 @@
             </a:r>
             <a:r>
               <a:rPr lang="en-NL" sz="2400" dirty="0"/>
-              <a:t>, hallelujah!</a:t>
+              <a:t>, </a:t>
+            </a:r>
+            <a:r>
+              <a:rPr lang="en-NL" sz="2400" dirty="0" err="1"/>
+              <a:t>halleluja</a:t>
+            </a:r>
+            <a:r>
+              <a:rPr lang="en-NL" sz="2400" dirty="0"/>
+              <a:t>!</a:t>
             </a:r>
           </a:p>
           <a:p>
@@ -10288,7 +10295,7 @@
             </a:r>
             <a:r>
               <a:rPr lang="en-NL" sz="2400" dirty="0" err="1"/>
-              <a:t>eengezing</a:t>
+              <a:t>eensgezing</a:t>
             </a:r>
             <a:r>
               <a:rPr lang="en-NL" sz="2400" dirty="0"/>
@@ -10316,7 +10323,7 @@
             </a:r>
             <a:r>
               <a:rPr lang="en-NL" sz="2400" dirty="0" err="1"/>
-              <a:t>eengezing</a:t>
+              <a:t>eensgezind</a:t>
             </a:r>
             <a:r>
               <a:rPr lang="en-NL" sz="2400" dirty="0"/>
@@ -10344,7 +10351,7 @@
             </a:r>
             <a:r>
               <a:rPr lang="en-NL" sz="2400" dirty="0" err="1"/>
-              <a:t>eengezing</a:t>
+              <a:t>eensgezind</a:t>
             </a:r>
             <a:r>
               <a:rPr lang="en-NL" sz="2400" dirty="0"/>
@@ -10372,7 +10379,7 @@
             </a:r>
             <a:r>
               <a:rPr lang="en-NL" sz="2400" dirty="0" err="1"/>
-              <a:t>eengezing</a:t>
+              <a:t>eensgezind</a:t>
             </a:r>
             <a:r>
               <a:rPr lang="en-NL" sz="2400" dirty="0"/>
@@ -12463,23 +12470,6 @@
 </file>
 
 <file path=customXml/item1.xml><?xml version="1.0" encoding="utf-8"?>
-<p:properties xmlns:p="http://schemas.microsoft.com/office/2006/metadata/properties" xmlns:xsi="http://www.w3.org/2001/XMLSchema-instance" xmlns:pc="http://schemas.microsoft.com/office/infopath/2007/PartnerControls">
-  <documentManagement>
-    <_activity xmlns="bca496f0-e7f3-46ca-a057-dad25c1957a7" xsi:nil="true"/>
-  </documentManagement>
-</p:properties>
-</file>
-
-<file path=customXml/item2.xml><?xml version="1.0" encoding="utf-8"?>
-<?mso-contentType ?>
-<FormTemplates xmlns="http://schemas.microsoft.com/sharepoint/v3/contenttype/forms">
-  <Display>DocumentLibraryForm</Display>
-  <Edit>DocumentLibraryForm</Edit>
-  <New>DocumentLibraryForm</New>
-</FormTemplates>
-</file>
-
-<file path=customXml/item3.xml><?xml version="1.0" encoding="utf-8"?>
 <ct:contentTypeSchema xmlns:ct="http://schemas.microsoft.com/office/2006/metadata/contentType" xmlns:ma="http://schemas.microsoft.com/office/2006/metadata/properties/metaAttributes" ct:_="" ma:_="" ma:contentTypeName="Document" ma:contentTypeID="0x0101005648588323E99243BC33BBAE5443CE8D" ma:contentTypeVersion="12" ma:contentTypeDescription="Een nieuw document maken." ma:contentTypeScope="" ma:versionID="ef571f9094a40f1ee93e747dbcf714f1">
   <xsd:schema xmlns:xsd="http://www.w3.org/2001/XMLSchema" xmlns:xs="http://www.w3.org/2001/XMLSchema" xmlns:p="http://schemas.microsoft.com/office/2006/metadata/properties" xmlns:ns3="bca496f0-e7f3-46ca-a057-dad25c1957a7" xmlns:ns4="75aa8f42-4741-473d-97fa-09de71a3ccc6" targetNamespace="http://schemas.microsoft.com/office/2006/metadata/properties" ma:root="true" ma:fieldsID="9d2bc8ce7ed664f5652175c56a18fc61" ns3:_="" ns4:_="">
     <xsd:import namespace="bca496f0-e7f3-46ca-a057-dad25c1957a7"/>
@@ -12692,32 +12682,24 @@
 </ct:contentTypeSchema>
 </file>
 
-<file path=customXml/itemProps1.xml><?xml version="1.0" encoding="utf-8"?>
-<ds:datastoreItem xmlns:ds="http://schemas.openxmlformats.org/officeDocument/2006/customXml" ds:itemID="{8CA149D0-798A-4ACE-929C-6F93A56D7256}">
-  <ds:schemaRefs>
-    <ds:schemaRef ds:uri="http://schemas.microsoft.com/office/infopath/2007/PartnerControls"/>
-    <ds:schemaRef ds:uri="75aa8f42-4741-473d-97fa-09de71a3ccc6"/>
-    <ds:schemaRef ds:uri="http://purl.org/dc/dcmitype/"/>
-    <ds:schemaRef ds:uri="http://www.w3.org/XML/1998/namespace"/>
-    <ds:schemaRef ds:uri="http://purl.org/dc/elements/1.1/"/>
-    <ds:schemaRef ds:uri="bca496f0-e7f3-46ca-a057-dad25c1957a7"/>
-    <ds:schemaRef ds:uri="http://schemas.microsoft.com/office/2006/documentManagement/types"/>
-    <ds:schemaRef ds:uri="http://schemas.openxmlformats.org/package/2006/metadata/core-properties"/>
-    <ds:schemaRef ds:uri="http://schemas.microsoft.com/office/2006/metadata/properties"/>
-    <ds:schemaRef ds:uri="http://purl.org/dc/terms/"/>
-  </ds:schemaRefs>
-</ds:datastoreItem>
+<file path=customXml/item2.xml><?xml version="1.0" encoding="utf-8"?>
+<p:properties xmlns:p="http://schemas.microsoft.com/office/2006/metadata/properties" xmlns:xsi="http://www.w3.org/2001/XMLSchema-instance" xmlns:pc="http://schemas.microsoft.com/office/infopath/2007/PartnerControls">
+  <documentManagement>
+    <_activity xmlns="bca496f0-e7f3-46ca-a057-dad25c1957a7" xsi:nil="true"/>
+  </documentManagement>
+</p:properties>
 </file>
 
-<file path=customXml/itemProps2.xml><?xml version="1.0" encoding="utf-8"?>
-<ds:datastoreItem xmlns:ds="http://schemas.openxmlformats.org/officeDocument/2006/customXml" ds:itemID="{08B45EBC-8BB2-49E2-967F-4C4AE5657E2F}">
-  <ds:schemaRefs>
-    <ds:schemaRef ds:uri="http://schemas.microsoft.com/sharepoint/v3/contenttype/forms"/>
-  </ds:schemaRefs>
-</ds:datastoreItem>
+<file path=customXml/item3.xml><?xml version="1.0" encoding="utf-8"?>
+<?mso-contentType ?>
+<FormTemplates xmlns="http://schemas.microsoft.com/sharepoint/v3/contenttype/forms">
+  <Display>DocumentLibraryForm</Display>
+  <Edit>DocumentLibraryForm</Edit>
+  <New>DocumentLibraryForm</New>
+</FormTemplates>
 </file>
 
-<file path=customXml/itemProps3.xml><?xml version="1.0" encoding="utf-8"?>
+<file path=customXml/itemProps1.xml><?xml version="1.0" encoding="utf-8"?>
 <ds:datastoreItem xmlns:ds="http://schemas.openxmlformats.org/officeDocument/2006/customXml" ds:itemID="{A6990565-746F-4292-A149-73FD1C3F4364}">
   <ds:schemaRefs>
     <ds:schemaRef ds:uri="75aa8f42-4741-473d-97fa-09de71a3ccc6"/>
@@ -12734,4 +12716,29 @@
     <ds:schemaRef ds:uri="http://www.w3.org/2001/XMLSchema"/>
   </ds:schemaRefs>
 </ds:datastoreItem>
+</file>
+
+<file path=customXml/itemProps2.xml><?xml version="1.0" encoding="utf-8"?>
+<ds:datastoreItem xmlns:ds="http://schemas.openxmlformats.org/officeDocument/2006/customXml" ds:itemID="{8CA149D0-798A-4ACE-929C-6F93A56D7256}">
+  <ds:schemaRefs>
+    <ds:schemaRef ds:uri="http://www.w3.org/XML/1998/namespace"/>
+    <ds:schemaRef ds:uri="http://purl.org/dc/terms/"/>
+    <ds:schemaRef ds:uri="http://schemas.microsoft.com/office/2006/documentManagement/types"/>
+    <ds:schemaRef ds:uri="http://purl.org/dc/dcmitype/"/>
+    <ds:schemaRef ds:uri="bca496f0-e7f3-46ca-a057-dad25c1957a7"/>
+    <ds:schemaRef ds:uri="http://purl.org/dc/elements/1.1/"/>
+    <ds:schemaRef ds:uri="http://schemas.microsoft.com/office/infopath/2007/PartnerControls"/>
+    <ds:schemaRef ds:uri="http://schemas.openxmlformats.org/package/2006/metadata/core-properties"/>
+    <ds:schemaRef ds:uri="75aa8f42-4741-473d-97fa-09de71a3ccc6"/>
+    <ds:schemaRef ds:uri="http://schemas.microsoft.com/office/2006/metadata/properties"/>
+  </ds:schemaRefs>
+</ds:datastoreItem>
+</file>
+
+<file path=customXml/itemProps3.xml><?xml version="1.0" encoding="utf-8"?>
+<ds:datastoreItem xmlns:ds="http://schemas.openxmlformats.org/officeDocument/2006/customXml" ds:itemID="{08B45EBC-8BB2-49E2-967F-4C4AE5657E2F}">
+  <ds:schemaRefs>
+    <ds:schemaRef ds:uri="http://schemas.microsoft.com/sharepoint/v3/contenttype/forms"/>
+  </ds:schemaRefs>
+</ds:datastoreItem>
 </file>